--- a/Predictors.pptx
+++ b/Predictors.pptx
@@ -299,7 +299,7 @@
           <a:p>
             <a:fld id="{C8A432C8-69A7-458B-9684-2BFA64B31948}" type="datetime2">
               <a:rPr lang="en-US" smtClean="0"/>
-              <a:t>Wednesday, November 11, 15</a:t>
+              <a:t>Friday, November 13, 15</a:t>
             </a:fld>
             <a:endParaRPr lang="en-US"/>
           </a:p>
@@ -466,7 +466,7 @@
           <a:p>
             <a:fld id="{8CC057FC-95B6-4D89-AFDA-ABA33EE921E5}" type="datetime2">
               <a:rPr lang="en-US" smtClean="0"/>
-              <a:t>Wednesday, November 11, 15</a:t>
+              <a:t>Friday, November 13, 15</a:t>
             </a:fld>
             <a:endParaRPr lang="en-US"/>
           </a:p>
@@ -643,7 +643,7 @@
           <a:p>
             <a:fld id="{EC4549AC-EB31-477F-92A9-B1988E232878}" type="datetime2">
               <a:rPr lang="en-US" smtClean="0"/>
-              <a:t>Wednesday, November 11, 15</a:t>
+              <a:t>Friday, November 13, 15</a:t>
             </a:fld>
             <a:endParaRPr lang="en-US"/>
           </a:p>
@@ -828,7 +828,7 @@
           <a:p>
             <a:fld id="{6396A3A3-94A6-4E5B-AF39-173ACA3E61CC}" type="datetime2">
               <a:rPr lang="en-US" smtClean="0"/>
-              <a:t>Wednesday, November 11, 15</a:t>
+              <a:t>Friday, November 13, 15</a:t>
             </a:fld>
             <a:endParaRPr lang="en-US"/>
           </a:p>
@@ -1092,7 +1092,7 @@
           <a:p>
             <a:fld id="{9933D019-A32C-4EAD-B8E6-DBDA699692FD}" type="datetime2">
               <a:rPr lang="en-US" smtClean="0"/>
-              <a:t>Wednesday, November 11, 15</a:t>
+              <a:t>Friday, November 13, 15</a:t>
             </a:fld>
             <a:endParaRPr lang="en-US"/>
           </a:p>
@@ -1442,7 +1442,7 @@
           <a:p>
             <a:fld id="{CCEBA98F-560C-4997-81C4-81D4D9187EAB}" type="datetime2">
               <a:rPr lang="en-US" smtClean="0"/>
-              <a:t>Wednesday, November 11, 15</a:t>
+              <a:t>Friday, November 13, 15</a:t>
             </a:fld>
             <a:endParaRPr lang="en-US"/>
           </a:p>
@@ -1752,7 +1752,7 @@
           <a:p>
             <a:fld id="{150972B2-CA5C-437D-87D0-8081271A9E4B}" type="datetime2">
               <a:rPr lang="en-US" smtClean="0"/>
-              <a:t>Wednesday, November 11, 15</a:t>
+              <a:t>Friday, November 13, 15</a:t>
             </a:fld>
             <a:endParaRPr lang="en-US"/>
           </a:p>
@@ -1981,7 +1981,7 @@
           <a:p>
             <a:fld id="{79CD4847-11EF-4466-A8AD-85CDB7B49118}" type="datetime2">
               <a:rPr lang="en-US" smtClean="0"/>
-              <a:t>Wednesday, November 11, 15</a:t>
+              <a:t>Friday, November 13, 15</a:t>
             </a:fld>
             <a:endParaRPr lang="en-US"/>
           </a:p>
@@ -2073,7 +2073,7 @@
           <a:p>
             <a:fld id="{F168457A-3AB9-4880-8A0C-9F8524491207}" type="datetime2">
               <a:rPr lang="en-US" smtClean="0"/>
-              <a:t>Wednesday, November 11, 15</a:t>
+              <a:t>Friday, November 13, 15</a:t>
             </a:fld>
             <a:endParaRPr lang="en-US"/>
           </a:p>
@@ -2363,7 +2363,7 @@
           <a:p>
             <a:fld id="{3FE976D3-5B7F-4300-ABED-C91F1B2AE209}" type="datetime2">
               <a:rPr lang="en-US" smtClean="0"/>
-              <a:t>Wednesday, November 11, 15</a:t>
+              <a:t>Friday, November 13, 15</a:t>
             </a:fld>
             <a:endParaRPr lang="en-US"/>
           </a:p>
@@ -2634,7 +2634,7 @@
           <a:p>
             <a:fld id="{EBDC1E59-17DD-41CE-97CA-624A472382D4}" type="datetime2">
               <a:rPr lang="en-US" smtClean="0"/>
-              <a:t>Wednesday, November 11, 15</a:t>
+              <a:t>Friday, November 13, 15</a:t>
             </a:fld>
             <a:endParaRPr lang="en-US"/>
           </a:p>
@@ -2846,7 +2846,7 @@
           <a:p>
             <a:fld id="{A80CB818-7379-467D-8E76-EF9D9074A26C}" type="datetime2">
               <a:rPr lang="en-US" smtClean="0"/>
-              <a:t>Wednesday, November 11, 15</a:t>
+              <a:t>Friday, November 13, 15</a:t>
             </a:fld>
             <a:endParaRPr lang="en-US" dirty="0"/>
           </a:p>
@@ -3379,8 +3379,8 @@
         </p:nvSpPr>
         <p:spPr>
           <a:xfrm>
-            <a:off x="1033342" y="301332"/>
-            <a:ext cx="6738251" cy="602665"/>
+            <a:off x="602782" y="301332"/>
+            <a:ext cx="8110658" cy="602665"/>
           </a:xfrm>
         </p:spPr>
         <p:txBody>
@@ -3389,7 +3389,15 @@
           <a:p>
             <a:r>
               <a:rPr lang="en-US" sz="4400" dirty="0" smtClean="0"/>
-              <a:t>Predictors of Litigation</a:t>
+              <a:t>Features </a:t>
+            </a:r>
+            <a:r>
+              <a:rPr lang="en-US" sz="4400" dirty="0" smtClean="0"/>
+              <a:t>Related to </a:t>
+            </a:r>
+            <a:r>
+              <a:rPr lang="en-US" sz="4400" dirty="0" smtClean="0"/>
+              <a:t>Litigation</a:t>
             </a:r>
             <a:endParaRPr lang="en-US" sz="4400" dirty="0"/>
           </a:p>
